--- a/Apresentação site Never Give Up.pptx
+++ b/Apresentação site Never Give Up.pptx
@@ -114,6 +114,11 @@
       </a:defRPr>
     </a:lvl9pPr>
   </p:defaultTextStyle>
+  <p:extLst>
+    <p:ext uri="{EFAFB233-063F-42B5-8137-9DF3F51BA10A}">
+      <p15:sldGuideLst xmlns:p15="http://schemas.microsoft.com/office/powerpoint/2012/main"/>
+    </p:ext>
+  </p:extLst>
 </p:presentation>
 </file>
 
@@ -264,7 +269,7 @@
           <a:p>
             <a:fld id="{98F4D1EC-0385-4CF8-B82D-4C32D76D4122}" type="datetimeFigureOut">
               <a:rPr lang="pt-BR" smtClean="0"/>
-              <a:t>05/06/2021</a:t>
+              <a:t>07/06/2021</a:t>
             </a:fld>
             <a:endParaRPr lang="pt-BR"/>
           </a:p>
@@ -462,7 +467,7 @@
           <a:p>
             <a:fld id="{98F4D1EC-0385-4CF8-B82D-4C32D76D4122}" type="datetimeFigureOut">
               <a:rPr lang="pt-BR" smtClean="0"/>
-              <a:t>05/06/2021</a:t>
+              <a:t>07/06/2021</a:t>
             </a:fld>
             <a:endParaRPr lang="pt-BR"/>
           </a:p>
@@ -670,7 +675,7 @@
           <a:p>
             <a:fld id="{98F4D1EC-0385-4CF8-B82D-4C32D76D4122}" type="datetimeFigureOut">
               <a:rPr lang="pt-BR" smtClean="0"/>
-              <a:t>05/06/2021</a:t>
+              <a:t>07/06/2021</a:t>
             </a:fld>
             <a:endParaRPr lang="pt-BR"/>
           </a:p>
@@ -868,7 +873,7 @@
           <a:p>
             <a:fld id="{98F4D1EC-0385-4CF8-B82D-4C32D76D4122}" type="datetimeFigureOut">
               <a:rPr lang="pt-BR" smtClean="0"/>
-              <a:t>05/06/2021</a:t>
+              <a:t>07/06/2021</a:t>
             </a:fld>
             <a:endParaRPr lang="pt-BR"/>
           </a:p>
@@ -1143,7 +1148,7 @@
           <a:p>
             <a:fld id="{98F4D1EC-0385-4CF8-B82D-4C32D76D4122}" type="datetimeFigureOut">
               <a:rPr lang="pt-BR" smtClean="0"/>
-              <a:t>05/06/2021</a:t>
+              <a:t>07/06/2021</a:t>
             </a:fld>
             <a:endParaRPr lang="pt-BR"/>
           </a:p>
@@ -1408,7 +1413,7 @@
           <a:p>
             <a:fld id="{98F4D1EC-0385-4CF8-B82D-4C32D76D4122}" type="datetimeFigureOut">
               <a:rPr lang="pt-BR" smtClean="0"/>
-              <a:t>05/06/2021</a:t>
+              <a:t>07/06/2021</a:t>
             </a:fld>
             <a:endParaRPr lang="pt-BR"/>
           </a:p>
@@ -1820,7 +1825,7 @@
           <a:p>
             <a:fld id="{98F4D1EC-0385-4CF8-B82D-4C32D76D4122}" type="datetimeFigureOut">
               <a:rPr lang="pt-BR" smtClean="0"/>
-              <a:t>05/06/2021</a:t>
+              <a:t>07/06/2021</a:t>
             </a:fld>
             <a:endParaRPr lang="pt-BR"/>
           </a:p>
@@ -1961,7 +1966,7 @@
           <a:p>
             <a:fld id="{98F4D1EC-0385-4CF8-B82D-4C32D76D4122}" type="datetimeFigureOut">
               <a:rPr lang="pt-BR" smtClean="0"/>
-              <a:t>05/06/2021</a:t>
+              <a:t>07/06/2021</a:t>
             </a:fld>
             <a:endParaRPr lang="pt-BR"/>
           </a:p>
@@ -2074,7 +2079,7 @@
           <a:p>
             <a:fld id="{98F4D1EC-0385-4CF8-B82D-4C32D76D4122}" type="datetimeFigureOut">
               <a:rPr lang="pt-BR" smtClean="0"/>
-              <a:t>05/06/2021</a:t>
+              <a:t>07/06/2021</a:t>
             </a:fld>
             <a:endParaRPr lang="pt-BR"/>
           </a:p>
@@ -2385,7 +2390,7 @@
           <a:p>
             <a:fld id="{98F4D1EC-0385-4CF8-B82D-4C32D76D4122}" type="datetimeFigureOut">
               <a:rPr lang="pt-BR" smtClean="0"/>
-              <a:t>05/06/2021</a:t>
+              <a:t>07/06/2021</a:t>
             </a:fld>
             <a:endParaRPr lang="pt-BR"/>
           </a:p>
@@ -2673,7 +2678,7 @@
           <a:p>
             <a:fld id="{98F4D1EC-0385-4CF8-B82D-4C32D76D4122}" type="datetimeFigureOut">
               <a:rPr lang="pt-BR" smtClean="0"/>
-              <a:t>05/06/2021</a:t>
+              <a:t>07/06/2021</a:t>
             </a:fld>
             <a:endParaRPr lang="pt-BR"/>
           </a:p>
@@ -2914,7 +2919,7 @@
           <a:p>
             <a:fld id="{98F4D1EC-0385-4CF8-B82D-4C32D76D4122}" type="datetimeFigureOut">
               <a:rPr lang="pt-BR" smtClean="0"/>
-              <a:t>05/06/2021</a:t>
+              <a:t>07/06/2021</a:t>
             </a:fld>
             <a:endParaRPr lang="pt-BR"/>
           </a:p>
@@ -3427,13 +3432,13 @@
   <p:clrMapOvr>
     <a:masterClrMapping/>
   </p:clrMapOvr>
-  <mc:AlternateContent xmlns:mc="http://schemas.openxmlformats.org/markup-compatibility/2006">
-    <mc:Choice xmlns:p15="http://schemas.microsoft.com/office/powerpoint/2012/main" Requires="p15">
+  <mc:AlternateContent xmlns:mc="http://schemas.openxmlformats.org/markup-compatibility/2006" xmlns:p15="http://schemas.microsoft.com/office/powerpoint/2012/main">
+    <mc:Choice Requires="p15">
       <p:transition xmlns:p14="http://schemas.microsoft.com/office/powerpoint/2010/main" spd="slow" p14:dur="4000">
         <p15:prstTrans prst="curtains"/>
       </p:transition>
     </mc:Choice>
-    <mc:Fallback>
+    <mc:Fallback xmlns="">
       <p:transition spd="slow">
         <p:fade/>
       </p:transition>
@@ -3505,13 +3510,13 @@
   <p:clrMapOvr>
     <a:masterClrMapping/>
   </p:clrMapOvr>
-  <mc:AlternateContent xmlns:mc="http://schemas.openxmlformats.org/markup-compatibility/2006">
-    <mc:Choice xmlns:p15="http://schemas.microsoft.com/office/powerpoint/2012/main" Requires="p15">
+  <mc:AlternateContent xmlns:mc="http://schemas.openxmlformats.org/markup-compatibility/2006" xmlns:p15="http://schemas.microsoft.com/office/powerpoint/2012/main">
+    <mc:Choice Requires="p15">
       <p:transition xmlns:p14="http://schemas.microsoft.com/office/powerpoint/2010/main" spd="slow" p14:dur="1250">
         <p15:prstTrans prst="peelOff"/>
       </p:transition>
     </mc:Choice>
-    <mc:Fallback>
+    <mc:Fallback xmlns="">
       <p:transition spd="slow">
         <p:fade/>
       </p:transition>
@@ -3583,13 +3588,13 @@
   <p:clrMapOvr>
     <a:masterClrMapping/>
   </p:clrMapOvr>
-  <mc:AlternateContent xmlns:mc="http://schemas.openxmlformats.org/markup-compatibility/2006">
-    <mc:Choice xmlns:p15="http://schemas.microsoft.com/office/powerpoint/2012/main" Requires="p15">
+  <mc:AlternateContent xmlns:mc="http://schemas.openxmlformats.org/markup-compatibility/2006" xmlns:p15="http://schemas.microsoft.com/office/powerpoint/2012/main">
+    <mc:Choice Requires="p15">
       <p:transition xmlns:p14="http://schemas.microsoft.com/office/powerpoint/2010/main" spd="slow" p14:dur="3250">
         <p15:prstTrans prst="airplane"/>
       </p:transition>
     </mc:Choice>
-    <mc:Fallback>
+    <mc:Fallback xmlns="">
       <p:transition spd="slow">
         <p:fade/>
       </p:transition>
@@ -3661,13 +3666,13 @@
   <p:clrMapOvr>
     <a:masterClrMapping/>
   </p:clrMapOvr>
-  <mc:AlternateContent xmlns:mc="http://schemas.openxmlformats.org/markup-compatibility/2006">
-    <mc:Choice xmlns:p14="http://schemas.microsoft.com/office/powerpoint/2010/main" Requires="p14">
+  <mc:AlternateContent xmlns:mc="http://schemas.openxmlformats.org/markup-compatibility/2006" xmlns:p14="http://schemas.microsoft.com/office/powerpoint/2010/main">
+    <mc:Choice Requires="p14">
       <p:transition spd="slow" p14:dur="2000">
         <p:wheel spokes="1"/>
       </p:transition>
     </mc:Choice>
-    <mc:Fallback>
+    <mc:Fallback xmlns="">
       <p:transition spd="slow">
         <p:wheel spokes="1"/>
       </p:transition>
@@ -3695,10 +3700,10 @@
       </p:grpSpPr>
       <p:pic>
         <p:nvPicPr>
-          <p:cNvPr id="3" name="Imagem 2">
-            <a:extLst>
-              <a:ext uri="{FF2B5EF4-FFF2-40B4-BE49-F238E27FC236}">
-                <a16:creationId xmlns:a16="http://schemas.microsoft.com/office/drawing/2014/main" id="{E2C42829-ED47-4919-9A77-82994932BD0F}"/>
+          <p:cNvPr id="4" name="Imagem 3">
+            <a:extLst>
+              <a:ext uri="{FF2B5EF4-FFF2-40B4-BE49-F238E27FC236}">
+                <a16:creationId xmlns:a16="http://schemas.microsoft.com/office/drawing/2014/main" id="{1F215819-F0F7-4203-8DB2-491482CCF0C5}"/>
               </a:ext>
             </a:extLst>
           </p:cNvPr>
@@ -3739,13 +3744,13 @@
   <p:clrMapOvr>
     <a:masterClrMapping/>
   </p:clrMapOvr>
-  <mc:AlternateContent xmlns:mc="http://schemas.openxmlformats.org/markup-compatibility/2006">
-    <mc:Choice xmlns:p14="http://schemas.microsoft.com/office/powerpoint/2010/main" Requires="p14">
+  <mc:AlternateContent xmlns:mc="http://schemas.openxmlformats.org/markup-compatibility/2006" xmlns:p14="http://schemas.microsoft.com/office/powerpoint/2010/main">
+    <mc:Choice Requires="p14">
       <p:transition spd="slow" p14:dur="2000">
         <p:wheel spokes="1"/>
       </p:transition>
     </mc:Choice>
-    <mc:Fallback>
+    <mc:Fallback xmlns="">
       <p:transition spd="slow">
         <p:wheel spokes="1"/>
       </p:transition>
@@ -3817,13 +3822,13 @@
   <p:clrMapOvr>
     <a:masterClrMapping/>
   </p:clrMapOvr>
-  <mc:AlternateContent xmlns:mc="http://schemas.openxmlformats.org/markup-compatibility/2006">
-    <mc:Choice xmlns:p14="http://schemas.microsoft.com/office/powerpoint/2010/main" Requires="p14">
+  <mc:AlternateContent xmlns:mc="http://schemas.openxmlformats.org/markup-compatibility/2006" xmlns:p14="http://schemas.microsoft.com/office/powerpoint/2010/main">
+    <mc:Choice Requires="p14">
       <p:transition spd="slow" p14:dur="2000">
         <p:wheel spokes="1"/>
       </p:transition>
     </mc:Choice>
-    <mc:Fallback>
+    <mc:Fallback xmlns="">
       <p:transition spd="slow">
         <p:wheel spokes="1"/>
       </p:transition>
@@ -3895,13 +3900,13 @@
   <p:clrMapOvr>
     <a:masterClrMapping/>
   </p:clrMapOvr>
-  <mc:AlternateContent xmlns:mc="http://schemas.openxmlformats.org/markup-compatibility/2006">
-    <mc:Choice xmlns:p14="http://schemas.microsoft.com/office/powerpoint/2010/main" Requires="p14">
+  <mc:AlternateContent xmlns:mc="http://schemas.openxmlformats.org/markup-compatibility/2006" xmlns:p14="http://schemas.microsoft.com/office/powerpoint/2010/main">
+    <mc:Choice Requires="p14">
       <p:transition spd="slow" p14:dur="2000">
         <p:wheel spokes="1"/>
       </p:transition>
     </mc:Choice>
-    <mc:Fallback>
+    <mc:Fallback xmlns="">
       <p:transition spd="slow">
         <p:wheel spokes="1"/>
       </p:transition>
@@ -3973,13 +3978,13 @@
   <p:clrMapOvr>
     <a:masterClrMapping/>
   </p:clrMapOvr>
-  <mc:AlternateContent xmlns:mc="http://schemas.openxmlformats.org/markup-compatibility/2006">
-    <mc:Choice xmlns:p14="http://schemas.microsoft.com/office/powerpoint/2010/main" Requires="p14">
+  <mc:AlternateContent xmlns:mc="http://schemas.openxmlformats.org/markup-compatibility/2006" xmlns:p14="http://schemas.microsoft.com/office/powerpoint/2010/main">
+    <mc:Choice Requires="p14">
       <p:transition spd="slow" p14:dur="2000">
         <p:wheel spokes="1"/>
       </p:transition>
     </mc:Choice>
-    <mc:Fallback>
+    <mc:Fallback xmlns="">
       <p:transition spd="slow">
         <p:wheel spokes="1"/>
       </p:transition>
@@ -4051,13 +4056,13 @@
   <p:clrMapOvr>
     <a:masterClrMapping/>
   </p:clrMapOvr>
-  <mc:AlternateContent xmlns:mc="http://schemas.openxmlformats.org/markup-compatibility/2006">
-    <mc:Choice xmlns:p15="http://schemas.microsoft.com/office/powerpoint/2012/main" Requires="p15">
+  <mc:AlternateContent xmlns:mc="http://schemas.openxmlformats.org/markup-compatibility/2006" xmlns:p15="http://schemas.microsoft.com/office/powerpoint/2012/main">
+    <mc:Choice Requires="p15">
       <p:transition xmlns:p14="http://schemas.microsoft.com/office/powerpoint/2010/main" spd="slow" p14:dur="1250">
         <p15:prstTrans prst="peelOff"/>
       </p:transition>
     </mc:Choice>
-    <mc:Fallback>
+    <mc:Fallback xmlns="">
       <p:transition spd="slow">
         <p:fade/>
       </p:transition>
@@ -4129,13 +4134,13 @@
   <p:clrMapOvr>
     <a:masterClrMapping/>
   </p:clrMapOvr>
-  <mc:AlternateContent xmlns:mc="http://schemas.openxmlformats.org/markup-compatibility/2006">
-    <mc:Choice xmlns:p15="http://schemas.microsoft.com/office/powerpoint/2012/main" Requires="p15">
+  <mc:AlternateContent xmlns:mc="http://schemas.openxmlformats.org/markup-compatibility/2006" xmlns:p15="http://schemas.microsoft.com/office/powerpoint/2012/main">
+    <mc:Choice Requires="p15">
       <p:transition xmlns:p14="http://schemas.microsoft.com/office/powerpoint/2010/main" spd="slow" p14:dur="1250">
         <p15:prstTrans prst="peelOff"/>
       </p:transition>
     </mc:Choice>
-    <mc:Fallback>
+    <mc:Fallback xmlns="">
       <p:transition spd="slow">
         <p:fade/>
       </p:transition>
@@ -4207,13 +4212,13 @@
   <p:clrMapOvr>
     <a:masterClrMapping/>
   </p:clrMapOvr>
-  <mc:AlternateContent xmlns:mc="http://schemas.openxmlformats.org/markup-compatibility/2006">
-    <mc:Choice xmlns:p15="http://schemas.microsoft.com/office/powerpoint/2012/main" Requires="p15">
+  <mc:AlternateContent xmlns:mc="http://schemas.openxmlformats.org/markup-compatibility/2006" xmlns:p15="http://schemas.microsoft.com/office/powerpoint/2012/main">
+    <mc:Choice Requires="p15">
       <p:transition xmlns:p14="http://schemas.microsoft.com/office/powerpoint/2010/main" spd="slow" p14:dur="1250">
         <p15:prstTrans prst="peelOff"/>
       </p:transition>
     </mc:Choice>
-    <mc:Fallback>
+    <mc:Fallback xmlns="">
       <p:transition spd="slow">
         <p:fade/>
       </p:transition>

--- a/Apresentação site Never Give Up.pptx
+++ b/Apresentação site Never Give Up.pptx
@@ -11,11 +11,13 @@
     <p:sldId id="259" r:id="rId5"/>
     <p:sldId id="260" r:id="rId6"/>
     <p:sldId id="261" r:id="rId7"/>
-    <p:sldId id="262" r:id="rId8"/>
-    <p:sldId id="263" r:id="rId9"/>
-    <p:sldId id="264" r:id="rId10"/>
-    <p:sldId id="265" r:id="rId11"/>
-    <p:sldId id="266" r:id="rId12"/>
+    <p:sldId id="267" r:id="rId8"/>
+    <p:sldId id="262" r:id="rId9"/>
+    <p:sldId id="268" r:id="rId10"/>
+    <p:sldId id="263" r:id="rId11"/>
+    <p:sldId id="264" r:id="rId12"/>
+    <p:sldId id="265" r:id="rId13"/>
+    <p:sldId id="266" r:id="rId14"/>
   </p:sldIdLst>
   <p:sldSz cx="12192000" cy="6858000"/>
   <p:notesSz cx="6858000" cy="9144000"/>
@@ -269,7 +271,7 @@
           <a:p>
             <a:fld id="{98F4D1EC-0385-4CF8-B82D-4C32D76D4122}" type="datetimeFigureOut">
               <a:rPr lang="pt-BR" smtClean="0"/>
-              <a:t>07/06/2021</a:t>
+              <a:t>08/06/2021</a:t>
             </a:fld>
             <a:endParaRPr lang="pt-BR"/>
           </a:p>
@@ -467,7 +469,7 @@
           <a:p>
             <a:fld id="{98F4D1EC-0385-4CF8-B82D-4C32D76D4122}" type="datetimeFigureOut">
               <a:rPr lang="pt-BR" smtClean="0"/>
-              <a:t>07/06/2021</a:t>
+              <a:t>08/06/2021</a:t>
             </a:fld>
             <a:endParaRPr lang="pt-BR"/>
           </a:p>
@@ -675,7 +677,7 @@
           <a:p>
             <a:fld id="{98F4D1EC-0385-4CF8-B82D-4C32D76D4122}" type="datetimeFigureOut">
               <a:rPr lang="pt-BR" smtClean="0"/>
-              <a:t>07/06/2021</a:t>
+              <a:t>08/06/2021</a:t>
             </a:fld>
             <a:endParaRPr lang="pt-BR"/>
           </a:p>
@@ -873,7 +875,7 @@
           <a:p>
             <a:fld id="{98F4D1EC-0385-4CF8-B82D-4C32D76D4122}" type="datetimeFigureOut">
               <a:rPr lang="pt-BR" smtClean="0"/>
-              <a:t>07/06/2021</a:t>
+              <a:t>08/06/2021</a:t>
             </a:fld>
             <a:endParaRPr lang="pt-BR"/>
           </a:p>
@@ -1148,7 +1150,7 @@
           <a:p>
             <a:fld id="{98F4D1EC-0385-4CF8-B82D-4C32D76D4122}" type="datetimeFigureOut">
               <a:rPr lang="pt-BR" smtClean="0"/>
-              <a:t>07/06/2021</a:t>
+              <a:t>08/06/2021</a:t>
             </a:fld>
             <a:endParaRPr lang="pt-BR"/>
           </a:p>
@@ -1413,7 +1415,7 @@
           <a:p>
             <a:fld id="{98F4D1EC-0385-4CF8-B82D-4C32D76D4122}" type="datetimeFigureOut">
               <a:rPr lang="pt-BR" smtClean="0"/>
-              <a:t>07/06/2021</a:t>
+              <a:t>08/06/2021</a:t>
             </a:fld>
             <a:endParaRPr lang="pt-BR"/>
           </a:p>
@@ -1825,7 +1827,7 @@
           <a:p>
             <a:fld id="{98F4D1EC-0385-4CF8-B82D-4C32D76D4122}" type="datetimeFigureOut">
               <a:rPr lang="pt-BR" smtClean="0"/>
-              <a:t>07/06/2021</a:t>
+              <a:t>08/06/2021</a:t>
             </a:fld>
             <a:endParaRPr lang="pt-BR"/>
           </a:p>
@@ -1966,7 +1968,7 @@
           <a:p>
             <a:fld id="{98F4D1EC-0385-4CF8-B82D-4C32D76D4122}" type="datetimeFigureOut">
               <a:rPr lang="pt-BR" smtClean="0"/>
-              <a:t>07/06/2021</a:t>
+              <a:t>08/06/2021</a:t>
             </a:fld>
             <a:endParaRPr lang="pt-BR"/>
           </a:p>
@@ -2079,7 +2081,7 @@
           <a:p>
             <a:fld id="{98F4D1EC-0385-4CF8-B82D-4C32D76D4122}" type="datetimeFigureOut">
               <a:rPr lang="pt-BR" smtClean="0"/>
-              <a:t>07/06/2021</a:t>
+              <a:t>08/06/2021</a:t>
             </a:fld>
             <a:endParaRPr lang="pt-BR"/>
           </a:p>
@@ -2390,7 +2392,7 @@
           <a:p>
             <a:fld id="{98F4D1EC-0385-4CF8-B82D-4C32D76D4122}" type="datetimeFigureOut">
               <a:rPr lang="pt-BR" smtClean="0"/>
-              <a:t>07/06/2021</a:t>
+              <a:t>08/06/2021</a:t>
             </a:fld>
             <a:endParaRPr lang="pt-BR"/>
           </a:p>
@@ -2678,7 +2680,7 @@
           <a:p>
             <a:fld id="{98F4D1EC-0385-4CF8-B82D-4C32D76D4122}" type="datetimeFigureOut">
               <a:rPr lang="pt-BR" smtClean="0"/>
-              <a:t>07/06/2021</a:t>
+              <a:t>08/06/2021</a:t>
             </a:fld>
             <a:endParaRPr lang="pt-BR"/>
           </a:p>
@@ -2919,7 +2921,7 @@
           <a:p>
             <a:fld id="{98F4D1EC-0385-4CF8-B82D-4C32D76D4122}" type="datetimeFigureOut">
               <a:rPr lang="pt-BR" smtClean="0"/>
-              <a:t>07/06/2021</a:t>
+              <a:t>08/06/2021</a:t>
             </a:fld>
             <a:endParaRPr lang="pt-BR"/>
           </a:p>
@@ -3469,6 +3471,162 @@
           <p:cNvPr id="3" name="Imagem 2">
             <a:extLst>
               <a:ext uri="{FF2B5EF4-FFF2-40B4-BE49-F238E27FC236}">
+                <a16:creationId xmlns:a16="http://schemas.microsoft.com/office/drawing/2014/main" id="{02996AA8-2AD8-4A25-BE45-E7DD3A5C4942}"/>
+              </a:ext>
+            </a:extLst>
+          </p:cNvPr>
+          <p:cNvPicPr>
+            <a:picLocks noChangeAspect="1"/>
+          </p:cNvPicPr>
+          <p:nvPr/>
+        </p:nvPicPr>
+        <p:blipFill>
+          <a:blip r:embed="rId2">
+            <a:extLst>
+              <a:ext uri="{28A0092B-C50C-407E-A947-70E740481C1C}">
+                <a14:useLocalDpi xmlns:a14="http://schemas.microsoft.com/office/drawing/2010/main" val="0"/>
+              </a:ext>
+            </a:extLst>
+          </a:blip>
+          <a:stretch>
+            <a:fillRect/>
+          </a:stretch>
+        </p:blipFill>
+        <p:spPr>
+          <a:xfrm>
+            <a:off x="0" y="0"/>
+            <a:ext cx="12192000" cy="6858000"/>
+          </a:xfrm>
+          <a:prstGeom prst="rect">
+            <a:avLst/>
+          </a:prstGeom>
+        </p:spPr>
+      </p:pic>
+    </p:spTree>
+    <p:extLst>
+      <p:ext uri="{BB962C8B-B14F-4D97-AF65-F5344CB8AC3E}">
+        <p14:creationId xmlns:p14="http://schemas.microsoft.com/office/powerpoint/2010/main" val="3550182101"/>
+      </p:ext>
+    </p:extLst>
+  </p:cSld>
+  <p:clrMapOvr>
+    <a:masterClrMapping/>
+  </p:clrMapOvr>
+  <mc:AlternateContent xmlns:mc="http://schemas.openxmlformats.org/markup-compatibility/2006" xmlns:p15="http://schemas.microsoft.com/office/powerpoint/2012/main">
+    <mc:Choice Requires="p15">
+      <p:transition xmlns:p14="http://schemas.microsoft.com/office/powerpoint/2010/main" spd="slow" p14:dur="1250">
+        <p15:prstTrans prst="peelOff"/>
+      </p:transition>
+    </mc:Choice>
+    <mc:Fallback xmlns="">
+      <p:transition spd="slow">
+        <p:fade/>
+      </p:transition>
+    </mc:Fallback>
+  </mc:AlternateContent>
+</p:sld>
+</file>
+
+<file path=ppt/slides/slide11.xml><?xml version="1.0" encoding="utf-8"?>
+<p:sld xmlns:a="http://schemas.openxmlformats.org/drawingml/2006/main" xmlns:r="http://schemas.openxmlformats.org/officeDocument/2006/relationships" xmlns:p="http://schemas.openxmlformats.org/presentationml/2006/main">
+  <p:cSld>
+    <p:spTree>
+      <p:nvGrpSpPr>
+        <p:cNvPr id="1" name=""/>
+        <p:cNvGrpSpPr/>
+        <p:nvPr/>
+      </p:nvGrpSpPr>
+      <p:grpSpPr>
+        <a:xfrm>
+          <a:off x="0" y="0"/>
+          <a:ext cx="0" cy="0"/>
+          <a:chOff x="0" y="0"/>
+          <a:chExt cx="0" cy="0"/>
+        </a:xfrm>
+      </p:grpSpPr>
+      <p:pic>
+        <p:nvPicPr>
+          <p:cNvPr id="3" name="Imagem 2">
+            <a:extLst>
+              <a:ext uri="{FF2B5EF4-FFF2-40B4-BE49-F238E27FC236}">
+                <a16:creationId xmlns:a16="http://schemas.microsoft.com/office/drawing/2014/main" id="{2ADEB7B6-5E1B-48B2-815C-F2D35510E09A}"/>
+              </a:ext>
+            </a:extLst>
+          </p:cNvPr>
+          <p:cNvPicPr>
+            <a:picLocks noChangeAspect="1"/>
+          </p:cNvPicPr>
+          <p:nvPr/>
+        </p:nvPicPr>
+        <p:blipFill>
+          <a:blip r:embed="rId2">
+            <a:extLst>
+              <a:ext uri="{28A0092B-C50C-407E-A947-70E740481C1C}">
+                <a14:useLocalDpi xmlns:a14="http://schemas.microsoft.com/office/drawing/2010/main" val="0"/>
+              </a:ext>
+            </a:extLst>
+          </a:blip>
+          <a:stretch>
+            <a:fillRect/>
+          </a:stretch>
+        </p:blipFill>
+        <p:spPr>
+          <a:xfrm>
+            <a:off x="0" y="0"/>
+            <a:ext cx="12192000" cy="6858000"/>
+          </a:xfrm>
+          <a:prstGeom prst="rect">
+            <a:avLst/>
+          </a:prstGeom>
+        </p:spPr>
+      </p:pic>
+    </p:spTree>
+    <p:extLst>
+      <p:ext uri="{BB962C8B-B14F-4D97-AF65-F5344CB8AC3E}">
+        <p14:creationId xmlns:p14="http://schemas.microsoft.com/office/powerpoint/2010/main" val="2302649700"/>
+      </p:ext>
+    </p:extLst>
+  </p:cSld>
+  <p:clrMapOvr>
+    <a:masterClrMapping/>
+  </p:clrMapOvr>
+  <mc:AlternateContent xmlns:mc="http://schemas.openxmlformats.org/markup-compatibility/2006" xmlns:p15="http://schemas.microsoft.com/office/powerpoint/2012/main">
+    <mc:Choice Requires="p15">
+      <p:transition xmlns:p14="http://schemas.microsoft.com/office/powerpoint/2010/main" spd="slow" p14:dur="1250">
+        <p15:prstTrans prst="peelOff"/>
+      </p:transition>
+    </mc:Choice>
+    <mc:Fallback xmlns="">
+      <p:transition spd="slow">
+        <p:fade/>
+      </p:transition>
+    </mc:Fallback>
+  </mc:AlternateContent>
+</p:sld>
+</file>
+
+<file path=ppt/slides/slide12.xml><?xml version="1.0" encoding="utf-8"?>
+<p:sld xmlns:a="http://schemas.openxmlformats.org/drawingml/2006/main" xmlns:r="http://schemas.openxmlformats.org/officeDocument/2006/relationships" xmlns:p="http://schemas.openxmlformats.org/presentationml/2006/main">
+  <p:cSld>
+    <p:spTree>
+      <p:nvGrpSpPr>
+        <p:cNvPr id="1" name=""/>
+        <p:cNvGrpSpPr/>
+        <p:nvPr/>
+      </p:nvGrpSpPr>
+      <p:grpSpPr>
+        <a:xfrm>
+          <a:off x="0" y="0"/>
+          <a:ext cx="0" cy="0"/>
+          <a:chOff x="0" y="0"/>
+          <a:chExt cx="0" cy="0"/>
+        </a:xfrm>
+      </p:grpSpPr>
+      <p:pic>
+        <p:nvPicPr>
+          <p:cNvPr id="3" name="Imagem 2">
+            <a:extLst>
+              <a:ext uri="{FF2B5EF4-FFF2-40B4-BE49-F238E27FC236}">
                 <a16:creationId xmlns:a16="http://schemas.microsoft.com/office/drawing/2014/main" id="{F3C111CC-A53D-410C-995C-6D9F218B4CF4}"/>
               </a:ext>
             </a:extLst>
@@ -3525,7 +3683,7 @@
 </p:sld>
 </file>
 
-<file path=ppt/slides/slide11.xml><?xml version="1.0" encoding="utf-8"?>
+<file path=ppt/slides/slide13.xml><?xml version="1.0" encoding="utf-8"?>
 <p:sld xmlns:a="http://schemas.openxmlformats.org/drawingml/2006/main" xmlns:r="http://schemas.openxmlformats.org/officeDocument/2006/relationships" xmlns:p="http://schemas.openxmlformats.org/presentationml/2006/main">
   <p:cSld>
     <p:spTree>
@@ -4012,10 +4170,10 @@
       </p:grpSpPr>
       <p:pic>
         <p:nvPicPr>
-          <p:cNvPr id="3" name="Imagem 2">
-            <a:extLst>
-              <a:ext uri="{FF2B5EF4-FFF2-40B4-BE49-F238E27FC236}">
-                <a16:creationId xmlns:a16="http://schemas.microsoft.com/office/drawing/2014/main" id="{6BD39B44-1149-4023-995C-09D6372557E6}"/>
+          <p:cNvPr id="7" name="Imagem 6">
+            <a:extLst>
+              <a:ext uri="{FF2B5EF4-FFF2-40B4-BE49-F238E27FC236}">
+                <a16:creationId xmlns:a16="http://schemas.microsoft.com/office/drawing/2014/main" id="{3CA21D07-3725-48FC-A5F2-68408B2A0EB0}"/>
               </a:ext>
             </a:extLst>
           </p:cNvPr>
@@ -4049,25 +4207,16 @@
     </p:spTree>
     <p:extLst>
       <p:ext uri="{BB962C8B-B14F-4D97-AF65-F5344CB8AC3E}">
-        <p14:creationId xmlns:p14="http://schemas.microsoft.com/office/powerpoint/2010/main" val="2404479874"/>
+        <p14:creationId xmlns:p14="http://schemas.microsoft.com/office/powerpoint/2010/main" val="685297019"/>
       </p:ext>
     </p:extLst>
   </p:cSld>
   <p:clrMapOvr>
     <a:masterClrMapping/>
   </p:clrMapOvr>
-  <mc:AlternateContent xmlns:mc="http://schemas.openxmlformats.org/markup-compatibility/2006" xmlns:p15="http://schemas.microsoft.com/office/powerpoint/2012/main">
-    <mc:Choice Requires="p15">
-      <p:transition xmlns:p14="http://schemas.microsoft.com/office/powerpoint/2010/main" spd="slow" p14:dur="1250">
-        <p15:prstTrans prst="peelOff"/>
-      </p:transition>
-    </mc:Choice>
-    <mc:Fallback xmlns="">
-      <p:transition spd="slow">
-        <p:fade/>
-      </p:transition>
-    </mc:Fallback>
-  </mc:AlternateContent>
+  <p:transition spd="slow">
+    <p:wheel spokes="1"/>
+  </p:transition>
 </p:sld>
 </file>
 
@@ -4093,7 +4242,7 @@
           <p:cNvPr id="3" name="Imagem 2">
             <a:extLst>
               <a:ext uri="{FF2B5EF4-FFF2-40B4-BE49-F238E27FC236}">
-                <a16:creationId xmlns:a16="http://schemas.microsoft.com/office/drawing/2014/main" id="{02996AA8-2AD8-4A25-BE45-E7DD3A5C4942}"/>
+                <a16:creationId xmlns:a16="http://schemas.microsoft.com/office/drawing/2014/main" id="{6BD39B44-1149-4023-995C-09D6372557E6}"/>
               </a:ext>
             </a:extLst>
           </p:cNvPr>
@@ -4127,7 +4276,7 @@
     </p:spTree>
     <p:extLst>
       <p:ext uri="{BB962C8B-B14F-4D97-AF65-F5344CB8AC3E}">
-        <p14:creationId xmlns:p14="http://schemas.microsoft.com/office/powerpoint/2010/main" val="3550182101"/>
+        <p14:creationId xmlns:p14="http://schemas.microsoft.com/office/powerpoint/2010/main" val="2404479874"/>
       </p:ext>
     </p:extLst>
   </p:cSld>
@@ -4171,7 +4320,7 @@
           <p:cNvPr id="3" name="Imagem 2">
             <a:extLst>
               <a:ext uri="{FF2B5EF4-FFF2-40B4-BE49-F238E27FC236}">
-                <a16:creationId xmlns:a16="http://schemas.microsoft.com/office/drawing/2014/main" id="{2ADEB7B6-5E1B-48B2-815C-F2D35510E09A}"/>
+                <a16:creationId xmlns:a16="http://schemas.microsoft.com/office/drawing/2014/main" id="{372546A2-656E-4FAD-AD5B-28175E01366F}"/>
               </a:ext>
             </a:extLst>
           </p:cNvPr>
@@ -4205,25 +4354,16 @@
     </p:spTree>
     <p:extLst>
       <p:ext uri="{BB962C8B-B14F-4D97-AF65-F5344CB8AC3E}">
-        <p14:creationId xmlns:p14="http://schemas.microsoft.com/office/powerpoint/2010/main" val="2302649700"/>
+        <p14:creationId xmlns:p14="http://schemas.microsoft.com/office/powerpoint/2010/main" val="569092429"/>
       </p:ext>
     </p:extLst>
   </p:cSld>
   <p:clrMapOvr>
     <a:masterClrMapping/>
   </p:clrMapOvr>
-  <mc:AlternateContent xmlns:mc="http://schemas.openxmlformats.org/markup-compatibility/2006" xmlns:p15="http://schemas.microsoft.com/office/powerpoint/2012/main">
-    <mc:Choice Requires="p15">
-      <p:transition xmlns:p14="http://schemas.microsoft.com/office/powerpoint/2010/main" spd="slow" p14:dur="1250">
-        <p15:prstTrans prst="peelOff"/>
-      </p:transition>
-    </mc:Choice>
-    <mc:Fallback xmlns="">
-      <p:transition spd="slow">
-        <p:fade/>
-      </p:transition>
-    </mc:Fallback>
-  </mc:AlternateContent>
+  <p:transition spd="slow">
+    <p:wheel spokes="1"/>
+  </p:transition>
 </p:sld>
 </file>
 
